--- a/Courses/Applied-Programmer/Programming-Fundamentals/06-Многомерни-масиви/26. Многомерни масиви - 2.pptx
+++ b/Courses/Applied-Programmer/Programming-Fundamentals/06-Многомерни-масиви/26. Многомерни масиви - 2.pptx
@@ -335,7 +335,7 @@
             <a:fld id="{FE5B4EDC-59C0-49C7-8ADA-5A781B329E02}" type="datetimeFigureOut">
               <a:rPr lang="en-US"/>
               <a:pPr/>
-              <a:t>16-Dec-19</a:t>
+              <a:t>10-Nov-20</a:t>
             </a:fld>
             <a:endParaRPr dirty="0"/>
           </a:p>
@@ -633,7 +633,7 @@
             <a:fld id="{F2D8D46A-B586-417D-BFBD-8C8FE0AAF762}" type="datetimeFigureOut">
               <a:rPr lang="en-US" smtClean="0"/>
               <a:pPr/>
-              <a:t>16-Dec-19</a:t>
+              <a:t>10-Nov-20</a:t>
             </a:fld>
             <a:endParaRPr lang="en-US" dirty="0"/>
           </a:p>
@@ -3794,14 +3794,10 @@
           <a:lstStyle/>
           <a:p>
             <a:r>
-              <a:rPr lang="bg-BG" altLang="en-US" dirty="0">
-                <a:latin typeface="+mn-ea"/>
-              </a:rPr>
+              <a:rPr lang="bg-BG" altLang="en-US" dirty="0"/>
               <a:t>Многомерни масиви</a:t>
             </a:r>
-            <a:endParaRPr lang="x-none" altLang="en-US" dirty="0">
-              <a:latin typeface="+mn-ea"/>
-            </a:endParaRPr>
+            <a:endParaRPr lang="x-none" altLang="en-US" dirty="0"/>
           </a:p>
         </p:txBody>
       </p:sp>
